--- a/Pseudo-Clase GitHub.pptx
+++ b/Pseudo-Clase GitHub.pptx
@@ -254,7 +254,7 @@
             <a:pPr algn="r" rtl="0"/>
             <a:fld id="{C8F1D84B-F747-4821-8617-FBD61E8F4308}" type="datetime1">
               <a:rPr lang="es-ES" smtClean="0"/>
-              <a:t>26/05/2020</a:t>
+              <a:t>12/06/2020</a:t>
             </a:fld>
             <a:endParaRPr lang="es-ES" dirty="0"/>
           </a:p>
@@ -424,7 +424,7 @@
             <a:fld id="{DA87C823-BB9F-45DA-99AB-416A32E1B948}" type="datetime1">
               <a:rPr lang="es-ES" noProof="0" smtClean="0"/>
               <a:pPr/>
-              <a:t>26/05/2020</a:t>
+              <a:t>12/06/2020</a:t>
             </a:fld>
             <a:endParaRPr lang="es-ES" noProof="0" dirty="0"/>
           </a:p>
@@ -2309,7 +2309,7 @@
             <a:fld id="{A042E67D-14C0-4ED9-A218-9C14494A6A84}" type="datetime1">
               <a:rPr lang="es-ES" noProof="0" smtClean="0"/>
               <a:pPr/>
-              <a:t>26/05/2020</a:t>
+              <a:t>12/06/2020</a:t>
             </a:fld>
             <a:endParaRPr lang="es-ES" noProof="0" dirty="0"/>
           </a:p>
@@ -2519,7 +2519,7 @@
             <a:fld id="{40A1DB83-C382-4684-8887-65A03EA4FFF0}" type="datetime1">
               <a:rPr lang="es-ES" noProof="0" smtClean="0"/>
               <a:pPr/>
-              <a:t>26/05/2020</a:t>
+              <a:t>12/06/2020</a:t>
             </a:fld>
             <a:endParaRPr lang="es-ES" noProof="0" dirty="0"/>
           </a:p>
@@ -2735,7 +2735,7 @@
             <a:fld id="{C60E81D3-9B82-44CA-B1F9-FCEFDC87935B}" type="datetime1">
               <a:rPr lang="es-ES" noProof="0" smtClean="0"/>
               <a:pPr/>
-              <a:t>26/05/2020</a:t>
+              <a:t>12/06/2020</a:t>
             </a:fld>
             <a:endParaRPr lang="es-ES" noProof="0" dirty="0"/>
           </a:p>
@@ -2941,7 +2941,7 @@
             <a:fld id="{82E48AAE-5AE8-418A-A225-B506C222F2F9}" type="datetime1">
               <a:rPr lang="es-ES" noProof="0" smtClean="0"/>
               <a:pPr/>
-              <a:t>26/05/2020</a:t>
+              <a:t>12/06/2020</a:t>
             </a:fld>
             <a:endParaRPr lang="es-ES" noProof="0" dirty="0"/>
           </a:p>
@@ -3381,7 +3381,7 @@
             <a:fld id="{AA1D35CA-82F5-4AD4-B9EC-66E805B73542}" type="datetime1">
               <a:rPr lang="es-ES" noProof="0" smtClean="0"/>
               <a:pPr/>
-              <a:t>26/05/2020</a:t>
+              <a:t>12/06/2020</a:t>
             </a:fld>
             <a:endParaRPr lang="es-ES" noProof="0" dirty="0"/>
           </a:p>
@@ -3693,7 +3693,7 @@
             <a:fld id="{834CCE92-710B-4678-B1B1-EFCAA5CDF075}" type="datetime1">
               <a:rPr lang="es-ES" noProof="0" smtClean="0"/>
               <a:pPr/>
-              <a:t>26/05/2020</a:t>
+              <a:t>12/06/2020</a:t>
             </a:fld>
             <a:endParaRPr lang="es-ES" noProof="0" dirty="0"/>
           </a:p>
@@ -4157,7 +4157,7 @@
             <a:fld id="{83FB0F2C-25D9-4D7E-B43A-29A2E16C960D}" type="datetime1">
               <a:rPr lang="es-ES" noProof="0" smtClean="0"/>
               <a:pPr/>
-              <a:t>26/05/2020</a:t>
+              <a:t>12/06/2020</a:t>
             </a:fld>
             <a:endParaRPr lang="es-ES" noProof="0" dirty="0"/>
           </a:p>
@@ -4295,7 +4295,7 @@
             <a:fld id="{FD34687D-B11B-47A5-95F6-B79DA932A6DF}" type="datetime1">
               <a:rPr lang="es-ES" noProof="0" smtClean="0"/>
               <a:pPr/>
-              <a:t>26/05/2020</a:t>
+              <a:t>12/06/2020</a:t>
             </a:fld>
             <a:endParaRPr lang="es-ES" noProof="0" dirty="0"/>
           </a:p>
@@ -4409,7 +4409,7 @@
             <a:fld id="{93C656DE-1E46-4450-9484-A739B4FADFBC}" type="datetime1">
               <a:rPr lang="es-ES" noProof="0" smtClean="0"/>
               <a:pPr/>
-              <a:t>26/05/2020</a:t>
+              <a:t>12/06/2020</a:t>
             </a:fld>
             <a:endParaRPr lang="es-ES" noProof="0" dirty="0"/>
           </a:p>
@@ -4716,7 +4716,7 @@
             <a:fld id="{EEA77F8B-D469-4ECD-B91E-3B01AD692331}" type="datetime1">
               <a:rPr lang="es-ES" noProof="0" smtClean="0"/>
               <a:pPr/>
-              <a:t>26/05/2020</a:t>
+              <a:t>12/06/2020</a:t>
             </a:fld>
             <a:endParaRPr lang="es-ES" noProof="0" dirty="0"/>
           </a:p>
@@ -5013,7 +5013,7 @@
             <a:fld id="{49BA7B1C-709E-4257-93A5-EC2F0807D42F}" type="datetime1">
               <a:rPr lang="es-ES" noProof="0" smtClean="0"/>
               <a:pPr/>
-              <a:t>26/05/2020</a:t>
+              <a:t>12/06/2020</a:t>
             </a:fld>
             <a:endParaRPr lang="es-ES" noProof="0" dirty="0"/>
           </a:p>
@@ -5639,7 +5639,7 @@
             <a:fld id="{35C83AD5-F5AF-4BDC-901E-85A05CCFFAAA}" type="datetime1">
               <a:rPr lang="es-ES" noProof="0" smtClean="0"/>
               <a:pPr/>
-              <a:t>26/05/2020</a:t>
+              <a:t>12/06/2020</a:t>
             </a:fld>
             <a:endParaRPr lang="es-ES" noProof="0" dirty="0"/>
           </a:p>
@@ -6133,7 +6133,22 @@
             <a:pPr rtl="0"/>
             <a:r>
               <a:rPr lang="es-ES" dirty="0" smtClean="0"/>
-              <a:t>¿De donde salió ese lindo gatito?</a:t>
+              <a:t>¿De donde salió </a:t>
+            </a:r>
+            <a:r>
+              <a:rPr lang="es-ES" dirty="0" smtClean="0"/>
+              <a:t/>
+            </a:r>
+            <a:br>
+              <a:rPr lang="es-ES" dirty="0" smtClean="0"/>
+            </a:br>
+            <a:r>
+              <a:rPr lang="es-ES" dirty="0" smtClean="0"/>
+              <a:t>ese </a:t>
+            </a:r>
+            <a:r>
+              <a:rPr lang="es-ES" dirty="0" smtClean="0"/>
+              <a:t>lindo gatito?</a:t>
             </a:r>
             <a:endParaRPr lang="es-ES" dirty="0"/>
           </a:p>
@@ -6151,7 +6166,7 @@
         </p:nvSpPr>
         <p:spPr>
           <a:xfrm>
-            <a:off x="981844" y="2924944"/>
+            <a:off x="837828" y="2979379"/>
             <a:ext cx="8784976" cy="3024336"/>
           </a:xfrm>
         </p:spPr>
@@ -6221,7 +6236,7 @@
         </p:blipFill>
         <p:spPr>
           <a:xfrm>
-            <a:off x="9190756" y="392338"/>
+            <a:off x="9247827" y="541863"/>
             <a:ext cx="2542062" cy="2223862"/>
           </a:xfrm>
           <a:prstGeom prst="rect">
@@ -6281,6 +6296,13 @@
       </p:transition>
     </mc:Fallback>
   </mc:AlternateContent>
+  <p:timing>
+    <p:tnLst>
+      <p:par>
+        <p:cTn id="1" dur="indefinite" restart="never" nodeType="tmRoot"/>
+      </p:par>
+    </p:tnLst>
+  </p:timing>
 </p:sld>
 </file>
 
@@ -6646,7 +6668,23 @@
                   <a:srgbClr val="009999"/>
                 </a:solidFill>
               </a:rPr>
-              <a:t> desktop los usaremos “camuflados”. </a:t>
+              <a:t> desktop </a:t>
+            </a:r>
+            <a:r>
+              <a:rPr lang="es-CL" sz="2400" dirty="0" smtClean="0">
+                <a:solidFill>
+                  <a:srgbClr val="009999"/>
+                </a:solidFill>
+              </a:rPr>
+              <a:t>se usaran </a:t>
+            </a:r>
+            <a:r>
+              <a:rPr lang="es-CL" sz="2400" dirty="0" smtClean="0">
+                <a:solidFill>
+                  <a:srgbClr val="009999"/>
+                </a:solidFill>
+              </a:rPr>
+              <a:t>“camuflados”. </a:t>
             </a:r>
           </a:p>
         </p:txBody>
@@ -6704,6 +6742,13 @@
       </p:transition>
     </mc:Fallback>
   </mc:AlternateContent>
+  <p:timing>
+    <p:tnLst>
+      <p:par>
+        <p:cTn id="1" dur="indefinite" restart="never" nodeType="tmRoot"/>
+      </p:par>
+    </p:tnLst>
+  </p:timing>
 </p:sld>
 </file>
 
@@ -7104,7 +7149,7 @@
         </p:nvSpPr>
         <p:spPr>
           <a:xfrm>
-            <a:off x="7606580" y="855876"/>
+            <a:off x="7606580" y="1532849"/>
             <a:ext cx="4392488" cy="5449879"/>
           </a:xfrm>
           <a:prstGeom prst="rect">
@@ -7381,7 +7426,23 @@
                   <a:srgbClr val="009999"/>
                 </a:solidFill>
               </a:rPr>
-              <a:t>Los pasos a seguir para subir son ver que existan cambios, ver a que rama le agregaremos los cambios, agregar el asunto y apretar </a:t>
+              <a:t>Los pasos a seguir para </a:t>
+            </a:r>
+            <a:r>
+              <a:rPr lang="es-CL" sz="1800" cap="all" spc="200" dirty="0" smtClean="0">
+                <a:solidFill>
+                  <a:srgbClr val="009999"/>
+                </a:solidFill>
+              </a:rPr>
+              <a:t>subir material son: </a:t>
+            </a:r>
+            <a:r>
+              <a:rPr lang="es-CL" sz="1800" cap="all" spc="200" dirty="0" smtClean="0">
+                <a:solidFill>
+                  <a:srgbClr val="009999"/>
+                </a:solidFill>
+              </a:rPr>
+              <a:t>ver que existan cambios, ver a que rama le agregaremos los cambios, agregar el asunto y apretar </a:t>
             </a:r>
             <a:r>
               <a:rPr lang="es-CL" sz="1800" cap="all" spc="200" dirty="0" err="1" smtClean="0">
@@ -7425,6 +7486,13 @@
       </p:transition>
     </mc:Fallback>
   </mc:AlternateContent>
+  <p:timing>
+    <p:tnLst>
+      <p:par>
+        <p:cTn id="1" dur="indefinite" restart="never" nodeType="tmRoot"/>
+      </p:par>
+    </p:tnLst>
+  </p:timing>
 </p:sld>
 </file>
 
@@ -7467,7 +7535,7 @@
         </p:blipFill>
         <p:spPr>
           <a:xfrm>
-            <a:off x="972787" y="1426845"/>
+            <a:off x="1041623" y="1700808"/>
             <a:ext cx="6530159" cy="4469440"/>
           </a:xfrm>
           <a:prstGeom prst="rect">
@@ -7531,7 +7599,7 @@
         </p:nvSpPr>
         <p:spPr>
           <a:xfrm>
-            <a:off x="7580313" y="2924944"/>
+            <a:off x="7600743" y="3068960"/>
             <a:ext cx="4608512" cy="5112568"/>
           </a:xfrm>
           <a:prstGeom prst="rect">
@@ -7851,7 +7919,7 @@
         </p:blipFill>
         <p:spPr bwMode="auto">
           <a:xfrm>
-            <a:off x="8110636" y="594266"/>
+            <a:off x="8182644" y="1124744"/>
             <a:ext cx="3186907" cy="1665159"/>
           </a:xfrm>
           <a:prstGeom prst="rect">
@@ -7963,8 +8031,8 @@
         </p:blipFill>
         <p:spPr>
           <a:xfrm>
-            <a:off x="1053852" y="980728"/>
-            <a:ext cx="8866778" cy="3713108"/>
+            <a:off x="981844" y="1124744"/>
+            <a:ext cx="8424936" cy="3528079"/>
           </a:xfrm>
           <a:prstGeom prst="rect">
             <a:avLst/>
@@ -8085,7 +8153,7 @@
         </p:nvSpPr>
         <p:spPr>
           <a:xfrm>
-            <a:off x="1125860" y="260648"/>
+            <a:off x="1125860" y="404664"/>
             <a:ext cx="10360501" cy="805904"/>
           </a:xfrm>
         </p:spPr>
@@ -8117,7 +8185,7 @@
         </p:nvSpPr>
         <p:spPr>
           <a:xfrm>
-            <a:off x="1341884" y="1412776"/>
+            <a:off x="1341884" y="1556792"/>
             <a:ext cx="10267478" cy="4462272"/>
           </a:xfrm>
         </p:spPr>
@@ -8208,8 +8276,8 @@
         </p:blipFill>
         <p:spPr bwMode="auto">
           <a:xfrm>
-            <a:off x="4654252" y="4293096"/>
-            <a:ext cx="2952328" cy="2280542"/>
+            <a:off x="4438228" y="4437112"/>
+            <a:ext cx="2880320" cy="2224919"/>
           </a:xfrm>
           <a:prstGeom prst="rect">
             <a:avLst/>
@@ -8387,7 +8455,7 @@
         </p:blipFill>
         <p:spPr>
           <a:xfrm>
-            <a:off x="6558366" y="922536"/>
+            <a:off x="6537534" y="1556792"/>
             <a:ext cx="5484836" cy="3730600"/>
           </a:xfrm>
           <a:prstGeom prst="rect">
@@ -8651,13 +8719,243 @@
               <a:buFont typeface="Arial" pitchFamily="34" charset="0"/>
               <a:buNone/>
             </a:pPr>
+            <a:endParaRPr lang="es-CL" sz="2000" dirty="0"/>
+          </a:p>
+        </p:txBody>
+      </p:sp>
+      <p:sp>
+        <p:nvSpPr>
+          <p:cNvPr id="8" name="Marcador de contenido 2"/>
+          <p:cNvSpPr txBox="1">
+            <a:spLocks/>
+          </p:cNvSpPr>
+          <p:nvPr/>
+        </p:nvSpPr>
+        <p:spPr>
+          <a:xfrm>
+            <a:off x="6537534" y="5445224"/>
+            <a:ext cx="5317518" cy="1128024"/>
+          </a:xfrm>
+          <a:prstGeom prst="rect">
+            <a:avLst/>
+          </a:prstGeom>
+        </p:spPr>
+        <p:txBody>
+          <a:bodyPr vert="horz" lIns="121899" tIns="60949" rIns="121899" bIns="60949" rtlCol="0">
+            <a:normAutofit/>
+          </a:bodyPr>
+          <a:lstStyle>
+            <a:lvl1pPr marL="304747" indent="-304747" algn="l" defTabSz="1218987" rtl="0" eaLnBrk="1" latinLnBrk="0" hangingPunct="1">
+              <a:lnSpc>
+                <a:spcPct val="90000"/>
+              </a:lnSpc>
+              <a:spcBef>
+                <a:spcPts val="1600"/>
+              </a:spcBef>
+              <a:buClr>
+                <a:schemeClr val="accent1"/>
+              </a:buClr>
+              <a:buSzPct val="100000"/>
+              <a:buFont typeface="Arial" pitchFamily="34" charset="0"/>
+              <a:buChar char="•"/>
+              <a:defRPr sz="2800" kern="1200">
+                <a:solidFill>
+                  <a:schemeClr val="tx1"/>
+                </a:solidFill>
+                <a:latin typeface="+mn-lt"/>
+                <a:ea typeface="+mn-ea"/>
+                <a:cs typeface="+mn-cs"/>
+              </a:defRPr>
+            </a:lvl1pPr>
+            <a:lvl2pPr marL="609493" indent="-231607" algn="l" defTabSz="1218987" rtl="0" eaLnBrk="1" latinLnBrk="0" hangingPunct="1">
+              <a:lnSpc>
+                <a:spcPct val="90000"/>
+              </a:lnSpc>
+              <a:spcBef>
+                <a:spcPts val="800"/>
+              </a:spcBef>
+              <a:buClr>
+                <a:schemeClr val="accent1"/>
+              </a:buClr>
+              <a:buSzPct val="80000"/>
+              <a:buFont typeface="Arial" pitchFamily="34" charset="0"/>
+              <a:buChar char="•"/>
+              <a:defRPr sz="2400" kern="1200">
+                <a:solidFill>
+                  <a:schemeClr val="tx1"/>
+                </a:solidFill>
+                <a:latin typeface="+mn-lt"/>
+                <a:ea typeface="+mn-ea"/>
+                <a:cs typeface="+mn-cs"/>
+              </a:defRPr>
+            </a:lvl2pPr>
+            <a:lvl3pPr marL="914240" indent="-231607" algn="l" defTabSz="1218987" rtl="0" eaLnBrk="1" latinLnBrk="0" hangingPunct="1">
+              <a:lnSpc>
+                <a:spcPct val="90000"/>
+              </a:lnSpc>
+              <a:spcBef>
+                <a:spcPts val="800"/>
+              </a:spcBef>
+              <a:buClr>
+                <a:schemeClr val="accent1"/>
+              </a:buClr>
+              <a:buSzPct val="80000"/>
+              <a:buFont typeface="Arial" pitchFamily="34" charset="0"/>
+              <a:buChar char="•"/>
+              <a:defRPr sz="2000" kern="1200">
+                <a:solidFill>
+                  <a:schemeClr val="tx1"/>
+                </a:solidFill>
+                <a:latin typeface="+mn-lt"/>
+                <a:ea typeface="+mn-ea"/>
+                <a:cs typeface="+mn-cs"/>
+              </a:defRPr>
+            </a:lvl3pPr>
+            <a:lvl4pPr marL="1218987" indent="-231607" algn="l" defTabSz="1218987" rtl="0" eaLnBrk="1" latinLnBrk="0" hangingPunct="1">
+              <a:lnSpc>
+                <a:spcPct val="90000"/>
+              </a:lnSpc>
+              <a:spcBef>
+                <a:spcPts val="800"/>
+              </a:spcBef>
+              <a:buClr>
+                <a:schemeClr val="accent1"/>
+              </a:buClr>
+              <a:buSzPct val="80000"/>
+              <a:buFont typeface="Arial" pitchFamily="34" charset="0"/>
+              <a:buChar char="•"/>
+              <a:defRPr sz="2000" kern="1200">
+                <a:solidFill>
+                  <a:schemeClr val="tx1"/>
+                </a:solidFill>
+                <a:latin typeface="+mn-lt"/>
+                <a:ea typeface="+mn-ea"/>
+                <a:cs typeface="+mn-cs"/>
+              </a:defRPr>
+            </a:lvl4pPr>
+            <a:lvl5pPr marL="1523733" indent="-231607" algn="l" defTabSz="1218987" rtl="0" eaLnBrk="1" latinLnBrk="0" hangingPunct="1">
+              <a:lnSpc>
+                <a:spcPct val="90000"/>
+              </a:lnSpc>
+              <a:spcBef>
+                <a:spcPts val="800"/>
+              </a:spcBef>
+              <a:buClr>
+                <a:schemeClr val="accent1"/>
+              </a:buClr>
+              <a:buSzPct val="80000"/>
+              <a:buFont typeface="Arial" pitchFamily="34" charset="0"/>
+              <a:buChar char="•"/>
+              <a:defRPr sz="2000" kern="1200">
+                <a:solidFill>
+                  <a:schemeClr val="tx1"/>
+                </a:solidFill>
+                <a:latin typeface="+mn-lt"/>
+                <a:ea typeface="+mn-ea"/>
+                <a:cs typeface="+mn-cs"/>
+              </a:defRPr>
+            </a:lvl5pPr>
+            <a:lvl6pPr marL="1828480" indent="-231607" algn="l" defTabSz="1218987" rtl="0" eaLnBrk="1" latinLnBrk="0" hangingPunct="1">
+              <a:lnSpc>
+                <a:spcPct val="90000"/>
+              </a:lnSpc>
+              <a:spcBef>
+                <a:spcPts val="800"/>
+              </a:spcBef>
+              <a:buClr>
+                <a:schemeClr val="accent1"/>
+              </a:buClr>
+              <a:buSzPct val="80000"/>
+              <a:buFont typeface="Arial" pitchFamily="34" charset="0"/>
+              <a:buChar char="•"/>
+              <a:defRPr sz="2000" kern="1200">
+                <a:solidFill>
+                  <a:schemeClr val="tx1"/>
+                </a:solidFill>
+                <a:latin typeface="+mn-lt"/>
+                <a:ea typeface="+mn-ea"/>
+                <a:cs typeface="+mn-cs"/>
+              </a:defRPr>
+            </a:lvl6pPr>
+            <a:lvl7pPr marL="2133227" indent="-231607" algn="l" defTabSz="1218987" rtl="0" eaLnBrk="1" latinLnBrk="0" hangingPunct="1">
+              <a:lnSpc>
+                <a:spcPct val="90000"/>
+              </a:lnSpc>
+              <a:spcBef>
+                <a:spcPts val="800"/>
+              </a:spcBef>
+              <a:buClr>
+                <a:schemeClr val="accent1"/>
+              </a:buClr>
+              <a:buSzPct val="80000"/>
+              <a:buFont typeface="Arial" pitchFamily="34" charset="0"/>
+              <a:buChar char="•"/>
+              <a:defRPr sz="2000" kern="1200">
+                <a:solidFill>
+                  <a:schemeClr val="tx1"/>
+                </a:solidFill>
+                <a:latin typeface="+mn-lt"/>
+                <a:ea typeface="+mn-ea"/>
+                <a:cs typeface="+mn-cs"/>
+              </a:defRPr>
+            </a:lvl7pPr>
+            <a:lvl8pPr marL="2437973" indent="-231607" algn="l" defTabSz="1218987" rtl="0" eaLnBrk="1" latinLnBrk="0" hangingPunct="1">
+              <a:lnSpc>
+                <a:spcPct val="90000"/>
+              </a:lnSpc>
+              <a:spcBef>
+                <a:spcPts val="800"/>
+              </a:spcBef>
+              <a:buClr>
+                <a:schemeClr val="accent1"/>
+              </a:buClr>
+              <a:buSzPct val="80000"/>
+              <a:buFont typeface="Arial" pitchFamily="34" charset="0"/>
+              <a:buChar char="•"/>
+              <a:defRPr sz="2000" kern="1200" baseline="0">
+                <a:solidFill>
+                  <a:schemeClr val="tx1"/>
+                </a:solidFill>
+                <a:latin typeface="+mn-lt"/>
+                <a:ea typeface="+mn-ea"/>
+                <a:cs typeface="+mn-cs"/>
+              </a:defRPr>
+            </a:lvl8pPr>
+            <a:lvl9pPr marL="2742720" indent="-231607" algn="l" defTabSz="1218987" rtl="0" eaLnBrk="1" latinLnBrk="0" hangingPunct="1">
+              <a:lnSpc>
+                <a:spcPct val="90000"/>
+              </a:lnSpc>
+              <a:spcBef>
+                <a:spcPts val="800"/>
+              </a:spcBef>
+              <a:buClr>
+                <a:schemeClr val="accent1"/>
+              </a:buClr>
+              <a:buSzPct val="80000"/>
+              <a:buFont typeface="Arial" pitchFamily="34" charset="0"/>
+              <a:buChar char="•"/>
+              <a:defRPr sz="2000" kern="1200" baseline="0">
+                <a:solidFill>
+                  <a:schemeClr val="tx1"/>
+                </a:solidFill>
+                <a:latin typeface="+mn-lt"/>
+                <a:ea typeface="+mn-ea"/>
+                <a:cs typeface="+mn-cs"/>
+              </a:defRPr>
+            </a:lvl9pPr>
+          </a:lstStyle>
+          <a:p>
+            <a:pPr marL="0" indent="0">
+              <a:buFont typeface="Arial" pitchFamily="34" charset="0"/>
+              <a:buNone/>
+            </a:pPr>
             <a:r>
               <a:rPr lang="es-CL" sz="2000" cap="all" spc="200" dirty="0" smtClean="0">
                 <a:solidFill>
                   <a:srgbClr val="009999"/>
                 </a:solidFill>
               </a:rPr>
-              <a:t>Si faltan algunas cosas las podemos explicar sobre la marcha, espero haberme explicado bien, recibo cualquier </a:t>
+              <a:t>Existen formas de fusionar ramas, como los “</a:t>
             </a:r>
             <a:r>
               <a:rPr lang="es-CL" sz="2000" cap="all" spc="200" dirty="0" err="1" smtClean="0">
@@ -8665,7 +8963,7 @@
                   <a:srgbClr val="009999"/>
                 </a:solidFill>
               </a:rPr>
-              <a:t>feedback</a:t>
+              <a:t>Pull</a:t>
             </a:r>
             <a:r>
               <a:rPr lang="es-CL" sz="2000" cap="all" spc="200" dirty="0" smtClean="0">
@@ -8673,7 +8971,23 @@
                   <a:srgbClr val="009999"/>
                 </a:solidFill>
               </a:rPr>
-              <a:t> contento :D</a:t>
+              <a:t> </a:t>
+            </a:r>
+            <a:r>
+              <a:rPr lang="es-CL" sz="2000" cap="all" spc="200" dirty="0" err="1" smtClean="0">
+                <a:solidFill>
+                  <a:srgbClr val="009999"/>
+                </a:solidFill>
+              </a:rPr>
+              <a:t>request</a:t>
+            </a:r>
+            <a:r>
+              <a:rPr lang="es-CL" sz="2000" cap="all" spc="200" dirty="0" smtClean="0">
+                <a:solidFill>
+                  <a:srgbClr val="009999"/>
+                </a:solidFill>
+              </a:rPr>
+              <a:t>”, pero será tema de otra ocasión……… </a:t>
             </a:r>
             <a:endParaRPr lang="es-CL" sz="2000" dirty="0"/>
           </a:p>
@@ -8746,8 +9060,8 @@
         </p:blipFill>
         <p:spPr>
           <a:xfrm>
-            <a:off x="2494012" y="1014202"/>
-            <a:ext cx="6912768" cy="4243407"/>
+            <a:off x="2782044" y="1191011"/>
+            <a:ext cx="6624736" cy="4066598"/>
           </a:xfrm>
         </p:spPr>
       </p:pic>
@@ -8799,8 +9113,8 @@
         </p:nvSpPr>
         <p:spPr>
           <a:xfrm>
-            <a:off x="405780" y="5286019"/>
-            <a:ext cx="11449272" cy="1455350"/>
+            <a:off x="1413892" y="5286019"/>
+            <a:ext cx="8928992" cy="1455350"/>
           </a:xfrm>
           <a:prstGeom prst="rect">
             <a:avLst/>
@@ -9027,7 +9341,7 @@
                   <a:srgbClr val="009999"/>
                 </a:solidFill>
               </a:rPr>
-              <a:t>The</a:t>
+              <a:t>Programming</a:t>
             </a:r>
             <a:r>
               <a:rPr lang="es-CL" sz="1600" cap="all" spc="200" dirty="0" smtClean="0">
@@ -9043,7 +9357,7 @@
                   <a:srgbClr val="009999"/>
                 </a:solidFill>
               </a:rPr>
-              <a:t>important</a:t>
+              <a:t>without</a:t>
             </a:r>
             <a:r>
               <a:rPr lang="es-CL" sz="1600" cap="all" spc="200" dirty="0" smtClean="0">
@@ -9059,7 +9373,7 @@
                   <a:srgbClr val="009999"/>
                 </a:solidFill>
               </a:rPr>
-              <a:t>thing</a:t>
+              <a:t>architecture</a:t>
             </a:r>
             <a:r>
               <a:rPr lang="es-CL" sz="1600" cap="all" spc="200" dirty="0" smtClean="0">
@@ -9075,6 +9389,54 @@
                   <a:srgbClr val="009999"/>
                 </a:solidFill>
               </a:rPr>
+              <a:t>or</a:t>
+            </a:r>
+            <a:r>
+              <a:rPr lang="es-CL" sz="1600" cap="all" spc="200" dirty="0" smtClean="0">
+                <a:solidFill>
+                  <a:srgbClr val="009999"/>
+                </a:solidFill>
+              </a:rPr>
+              <a:t> </a:t>
+            </a:r>
+            <a:r>
+              <a:rPr lang="es-CL" sz="1600" cap="all" spc="200" dirty="0" err="1" smtClean="0">
+                <a:solidFill>
+                  <a:srgbClr val="009999"/>
+                </a:solidFill>
+              </a:rPr>
+              <a:t>design</a:t>
+            </a:r>
+            <a:r>
+              <a:rPr lang="es-CL" sz="1600" cap="all" spc="200" dirty="0" smtClean="0">
+                <a:solidFill>
+                  <a:srgbClr val="009999"/>
+                </a:solidFill>
+              </a:rPr>
+              <a:t> in </a:t>
+            </a:r>
+            <a:r>
+              <a:rPr lang="es-CL" sz="1600" cap="all" spc="200" dirty="0" err="1" smtClean="0">
+                <a:solidFill>
+                  <a:srgbClr val="009999"/>
+                </a:solidFill>
+              </a:rPr>
+              <a:t>mind</a:t>
+            </a:r>
+            <a:r>
+              <a:rPr lang="es-CL" sz="1600" cap="all" spc="200" dirty="0" smtClean="0">
+                <a:solidFill>
+                  <a:srgbClr val="009999"/>
+                </a:solidFill>
+              </a:rPr>
+              <a:t> </a:t>
+            </a:r>
+            <a:r>
+              <a:rPr lang="es-CL" sz="1600" cap="all" spc="200" dirty="0" err="1" smtClean="0">
+                <a:solidFill>
+                  <a:srgbClr val="009999"/>
+                </a:solidFill>
+              </a:rPr>
               <a:t>is</a:t>
             </a:r>
             <a:r>
@@ -9091,7 +9453,7 @@
                   <a:srgbClr val="009999"/>
                 </a:solidFill>
               </a:rPr>
-              <a:t>not</a:t>
+              <a:t>like</a:t>
             </a:r>
             <a:r>
               <a:rPr lang="es-CL" sz="1600" cap="all" spc="200" dirty="0" smtClean="0">
@@ -9107,7 +9469,7 @@
                   <a:srgbClr val="009999"/>
                 </a:solidFill>
               </a:rPr>
-              <a:t>to</a:t>
+              <a:t>exploring</a:t>
             </a:r>
             <a:r>
               <a:rPr lang="es-CL" sz="1600" cap="all" spc="200" dirty="0" smtClean="0">
@@ -9115,7 +9477,7 @@
                   <a:srgbClr val="009999"/>
                 </a:solidFill>
               </a:rPr>
-              <a:t> stop </a:t>
+              <a:t> a cave </a:t>
             </a:r>
             <a:r>
               <a:rPr lang="es-CL" sz="1600" cap="all" spc="200" dirty="0" err="1" smtClean="0">
@@ -9123,7 +9485,7 @@
                   <a:srgbClr val="009999"/>
                 </a:solidFill>
               </a:rPr>
-              <a:t>questioning</a:t>
+              <a:t>with</a:t>
             </a:r>
             <a:r>
               <a:rPr lang="es-CL" sz="1600" cap="all" spc="200" dirty="0" smtClean="0">
@@ -9131,7 +9493,7 @@
                   <a:srgbClr val="009999"/>
                 </a:solidFill>
               </a:rPr>
-              <a:t>. </a:t>
+              <a:t> </a:t>
             </a:r>
             <a:r>
               <a:rPr lang="es-CL" sz="1600" cap="all" spc="200" dirty="0" err="1" smtClean="0">
@@ -9139,7 +9501,7 @@
                   <a:srgbClr val="009999"/>
                 </a:solidFill>
               </a:rPr>
-              <a:t>Curiosity</a:t>
+              <a:t>only</a:t>
             </a:r>
             <a:r>
               <a:rPr lang="es-CL" sz="1600" cap="all" spc="200" dirty="0" smtClean="0">
@@ -9147,7 +9509,7 @@
                   <a:srgbClr val="009999"/>
                 </a:solidFill>
               </a:rPr>
-              <a:t> has </a:t>
+              <a:t> a </a:t>
             </a:r>
             <a:r>
               <a:rPr lang="es-CL" sz="1600" cap="all" spc="200" dirty="0" err="1" smtClean="0">
@@ -9155,7 +9517,7 @@
                   <a:srgbClr val="009999"/>
                 </a:solidFill>
               </a:rPr>
-              <a:t>its</a:t>
+              <a:t>flashlight</a:t>
             </a:r>
             <a:r>
               <a:rPr lang="es-CL" sz="1600" cap="all" spc="200" dirty="0" smtClean="0">
@@ -9163,6 +9525,22 @@
                   <a:srgbClr val="009999"/>
                 </a:solidFill>
               </a:rPr>
+              <a:t>: </a:t>
+            </a:r>
+            <a:r>
+              <a:rPr lang="es-CL" sz="1600" cap="all" spc="200" dirty="0" err="1" smtClean="0">
+                <a:solidFill>
+                  <a:srgbClr val="009999"/>
+                </a:solidFill>
+              </a:rPr>
+              <a:t>you</a:t>
+            </a:r>
+            <a:r>
+              <a:rPr lang="es-CL" sz="1600" cap="all" spc="200" dirty="0" smtClean="0">
+                <a:solidFill>
+                  <a:srgbClr val="009999"/>
+                </a:solidFill>
+              </a:rPr>
               <a:t> </a:t>
             </a:r>
             <a:r>
@@ -9171,7 +9549,7 @@
                   <a:srgbClr val="009999"/>
                 </a:solidFill>
               </a:rPr>
-              <a:t>own</a:t>
+              <a:t>don’t</a:t>
             </a:r>
             <a:r>
               <a:rPr lang="es-CL" sz="1600" cap="all" spc="200" dirty="0" smtClean="0">
@@ -9179,6 +9557,22 @@
                   <a:srgbClr val="009999"/>
                 </a:solidFill>
               </a:rPr>
+              <a:t> kwon </a:t>
+            </a:r>
+            <a:r>
+              <a:rPr lang="es-CL" sz="1600" cap="all" spc="200" dirty="0" err="1" smtClean="0">
+                <a:solidFill>
+                  <a:srgbClr val="009999"/>
+                </a:solidFill>
+              </a:rPr>
+              <a:t>where</a:t>
+            </a:r>
+            <a:r>
+              <a:rPr lang="es-CL" sz="1600" cap="all" spc="200" dirty="0" smtClean="0">
+                <a:solidFill>
+                  <a:srgbClr val="009999"/>
+                </a:solidFill>
+              </a:rPr>
               <a:t> </a:t>
             </a:r>
             <a:r>
@@ -9187,7 +9581,7 @@
                   <a:srgbClr val="009999"/>
                 </a:solidFill>
               </a:rPr>
-              <a:t>reason</a:t>
+              <a:t>you</a:t>
             </a:r>
             <a:r>
               <a:rPr lang="es-CL" sz="1600" cap="all" spc="200" dirty="0" smtClean="0">
@@ -9195,6 +9589,22 @@
                   <a:srgbClr val="009999"/>
                 </a:solidFill>
               </a:rPr>
+              <a:t> are, </a:t>
+            </a:r>
+            <a:r>
+              <a:rPr lang="es-CL" sz="1600" cap="all" spc="200" dirty="0" err="1" smtClean="0">
+                <a:solidFill>
+                  <a:srgbClr val="009999"/>
+                </a:solidFill>
+              </a:rPr>
+              <a:t>where</a:t>
+            </a:r>
+            <a:r>
+              <a:rPr lang="es-CL" sz="1600" cap="all" spc="200" dirty="0" smtClean="0">
+                <a:solidFill>
+                  <a:srgbClr val="009999"/>
+                </a:solidFill>
+              </a:rPr>
               <a:t> </a:t>
             </a:r>
             <a:r>
@@ -9203,7 +9613,7 @@
                   <a:srgbClr val="009999"/>
                 </a:solidFill>
               </a:rPr>
-              <a:t>for</a:t>
+              <a:t>you</a:t>
             </a:r>
             <a:r>
               <a:rPr lang="es-CL" sz="1600" cap="all" spc="200" dirty="0" smtClean="0">
@@ -9219,7 +9629,7 @@
                   <a:srgbClr val="009999"/>
                 </a:solidFill>
               </a:rPr>
-              <a:t>existence</a:t>
+              <a:t>have</a:t>
             </a:r>
             <a:r>
               <a:rPr lang="es-CL" sz="1600" cap="all" spc="200" dirty="0" smtClean="0">
@@ -9227,7 +9637,7 @@
                   <a:srgbClr val="009999"/>
                 </a:solidFill>
               </a:rPr>
-              <a:t>. </a:t>
+              <a:t> </a:t>
             </a:r>
             <a:r>
               <a:rPr lang="es-CL" sz="1600" cap="all" spc="200" dirty="0" err="1" smtClean="0">
@@ -9235,10 +9645,10 @@
                   <a:srgbClr val="009999"/>
                 </a:solidFill>
               </a:rPr>
-              <a:t>One</a:t>
-            </a:r>
-            <a:r>
-              <a:rPr lang="es-CL" sz="1600" cap="all" spc="200" dirty="0">
+              <a:t>been</a:t>
+            </a:r>
+            <a:r>
+              <a:rPr lang="es-CL" sz="1600" cap="all" spc="200" dirty="0" smtClean="0">
                 <a:solidFill>
                   <a:srgbClr val="009999"/>
                 </a:solidFill>
@@ -9251,7 +9661,7 @@
                   <a:srgbClr val="009999"/>
                 </a:solidFill>
               </a:rPr>
-              <a:t>cannot</a:t>
+              <a:t>or</a:t>
             </a:r>
             <a:r>
               <a:rPr lang="es-CL" sz="1600" cap="all" spc="200" dirty="0" smtClean="0">
@@ -9267,7 +9677,7 @@
                   <a:srgbClr val="009999"/>
                 </a:solidFill>
               </a:rPr>
-              <a:t>help</a:t>
+              <a:t>where</a:t>
             </a:r>
             <a:r>
               <a:rPr lang="es-CL" sz="1600" cap="all" spc="200" dirty="0" smtClean="0">
@@ -9283,7 +9693,7 @@
                   <a:srgbClr val="009999"/>
                 </a:solidFill>
               </a:rPr>
-              <a:t>but</a:t>
+              <a:t>you</a:t>
             </a:r>
             <a:r>
               <a:rPr lang="es-CL" sz="1600" cap="all" spc="200" dirty="0" smtClean="0">
@@ -9291,7 +9701,7 @@
                   <a:srgbClr val="009999"/>
                 </a:solidFill>
               </a:rPr>
-              <a:t> be in </a:t>
+              <a:t> are </a:t>
             </a:r>
             <a:r>
               <a:rPr lang="es-CL" sz="1600" cap="all" spc="200" dirty="0" err="1" smtClean="0">
@@ -9299,15 +9709,23 @@
                   <a:srgbClr val="009999"/>
                 </a:solidFill>
               </a:rPr>
-              <a:t>awe</a:t>
-            </a:r>
+              <a:t>going</a:t>
+            </a:r>
+            <a:endParaRPr lang="es-CL" sz="1600" cap="all" spc="200" dirty="0" smtClean="0">
+              <a:solidFill>
+                <a:srgbClr val="009999"/>
+              </a:solidFill>
+            </a:endParaRPr>
+          </a:p>
+          <a:p>
+            <a:pPr algn="ctr"/>
             <a:r>
               <a:rPr lang="es-CL" sz="1600" cap="all" spc="200" dirty="0" smtClean="0">
                 <a:solidFill>
                   <a:srgbClr val="009999"/>
                 </a:solidFill>
               </a:rPr>
-              <a:t> </a:t>
+              <a:t>Danny </a:t>
             </a:r>
             <a:r>
               <a:rPr lang="es-CL" sz="1600" cap="all" spc="200" dirty="0" err="1" smtClean="0">
@@ -9315,363 +9733,13 @@
                   <a:srgbClr val="009999"/>
                 </a:solidFill>
               </a:rPr>
-              <a:t>when</a:t>
-            </a:r>
-            <a:r>
-              <a:rPr lang="es-CL" sz="1600" cap="all" spc="200" dirty="0" smtClean="0">
-                <a:solidFill>
-                  <a:srgbClr val="009999"/>
-                </a:solidFill>
-              </a:rPr>
-              <a:t> he </a:t>
-            </a:r>
-            <a:r>
-              <a:rPr lang="es-CL" sz="1600" cap="all" spc="200" dirty="0" err="1" smtClean="0">
-                <a:solidFill>
-                  <a:srgbClr val="009999"/>
-                </a:solidFill>
-              </a:rPr>
-              <a:t>contemplates</a:t>
-            </a:r>
-            <a:r>
-              <a:rPr lang="es-CL" sz="1600" cap="all" spc="200" dirty="0" smtClean="0">
-                <a:solidFill>
-                  <a:srgbClr val="009999"/>
-                </a:solidFill>
-              </a:rPr>
-              <a:t> </a:t>
-            </a:r>
-            <a:r>
-              <a:rPr lang="es-CL" sz="1600" cap="all" spc="200" dirty="0" err="1" smtClean="0">
-                <a:solidFill>
-                  <a:srgbClr val="009999"/>
-                </a:solidFill>
-              </a:rPr>
-              <a:t>the</a:t>
-            </a:r>
-            <a:r>
-              <a:rPr lang="es-CL" sz="1600" cap="all" spc="200" dirty="0" smtClean="0">
-                <a:solidFill>
-                  <a:srgbClr val="009999"/>
-                </a:solidFill>
-              </a:rPr>
-              <a:t> </a:t>
-            </a:r>
-            <a:r>
-              <a:rPr lang="es-CL" sz="1600" cap="all" spc="200" dirty="0" err="1" smtClean="0">
-                <a:solidFill>
-                  <a:srgbClr val="009999"/>
-                </a:solidFill>
-              </a:rPr>
-              <a:t>mysteries</a:t>
-            </a:r>
-            <a:r>
-              <a:rPr lang="es-CL" sz="1600" cap="all" spc="200" dirty="0" smtClean="0">
-                <a:solidFill>
-                  <a:srgbClr val="009999"/>
-                </a:solidFill>
-              </a:rPr>
-              <a:t> of </a:t>
-            </a:r>
-            <a:r>
-              <a:rPr lang="es-CL" sz="1600" cap="all" spc="200" dirty="0" err="1" smtClean="0">
-                <a:solidFill>
-                  <a:srgbClr val="009999"/>
-                </a:solidFill>
-              </a:rPr>
-              <a:t>eternety</a:t>
-            </a:r>
-            <a:r>
-              <a:rPr lang="es-CL" sz="1600" cap="all" spc="200" dirty="0" smtClean="0">
-                <a:solidFill>
-                  <a:srgbClr val="009999"/>
-                </a:solidFill>
-              </a:rPr>
-              <a:t>, of </a:t>
-            </a:r>
-            <a:r>
-              <a:rPr lang="es-CL" sz="1600" cap="all" spc="200" dirty="0" err="1" smtClean="0">
-                <a:solidFill>
-                  <a:srgbClr val="009999"/>
-                </a:solidFill>
-              </a:rPr>
-              <a:t>life</a:t>
-            </a:r>
-            <a:r>
-              <a:rPr lang="es-CL" sz="1600" cap="all" spc="200" dirty="0" smtClean="0">
-                <a:solidFill>
-                  <a:srgbClr val="009999"/>
-                </a:solidFill>
-              </a:rPr>
-              <a:t>, of </a:t>
-            </a:r>
-            <a:r>
-              <a:rPr lang="es-CL" sz="1600" cap="all" spc="200" dirty="0" err="1" smtClean="0">
-                <a:solidFill>
-                  <a:srgbClr val="009999"/>
-                </a:solidFill>
-              </a:rPr>
-              <a:t>the</a:t>
-            </a:r>
-            <a:r>
-              <a:rPr lang="es-CL" sz="1600" cap="all" spc="200" dirty="0" smtClean="0">
-                <a:solidFill>
-                  <a:srgbClr val="009999"/>
-                </a:solidFill>
-              </a:rPr>
-              <a:t> </a:t>
-            </a:r>
-            <a:r>
-              <a:rPr lang="es-CL" sz="1600" cap="all" spc="200" dirty="0" err="1" smtClean="0">
-                <a:solidFill>
-                  <a:srgbClr val="009999"/>
-                </a:solidFill>
-              </a:rPr>
-              <a:t>marvelous</a:t>
-            </a:r>
-            <a:r>
-              <a:rPr lang="es-CL" sz="1600" cap="all" spc="200" dirty="0" smtClean="0">
-                <a:solidFill>
-                  <a:srgbClr val="009999"/>
-                </a:solidFill>
-              </a:rPr>
-              <a:t> </a:t>
-            </a:r>
-            <a:r>
-              <a:rPr lang="es-CL" sz="1600" cap="all" spc="200" dirty="0" err="1" smtClean="0">
-                <a:solidFill>
-                  <a:srgbClr val="009999"/>
-                </a:solidFill>
-              </a:rPr>
-              <a:t>structure</a:t>
-            </a:r>
-            <a:r>
-              <a:rPr lang="es-CL" sz="1600" cap="all" spc="200" dirty="0" smtClean="0">
-                <a:solidFill>
-                  <a:srgbClr val="009999"/>
-                </a:solidFill>
-              </a:rPr>
-              <a:t> of </a:t>
-            </a:r>
-            <a:r>
-              <a:rPr lang="es-CL" sz="1600" cap="all" spc="200" dirty="0" err="1" smtClean="0">
-                <a:solidFill>
-                  <a:srgbClr val="009999"/>
-                </a:solidFill>
-              </a:rPr>
-              <a:t>reality</a:t>
-            </a:r>
-            <a:r>
-              <a:rPr lang="es-CL" sz="1600" cap="all" spc="200" dirty="0" smtClean="0">
-                <a:solidFill>
-                  <a:srgbClr val="009999"/>
-                </a:solidFill>
-              </a:rPr>
-              <a:t>. </a:t>
-            </a:r>
-            <a:r>
-              <a:rPr lang="es-CL" sz="1600" cap="all" spc="200" dirty="0" err="1" smtClean="0">
-                <a:solidFill>
-                  <a:srgbClr val="009999"/>
-                </a:solidFill>
-              </a:rPr>
-              <a:t>It</a:t>
-            </a:r>
-            <a:r>
-              <a:rPr lang="es-CL" sz="1600" cap="all" spc="200" dirty="0" smtClean="0">
-                <a:solidFill>
-                  <a:srgbClr val="009999"/>
-                </a:solidFill>
-              </a:rPr>
-              <a:t> </a:t>
-            </a:r>
-            <a:r>
-              <a:rPr lang="es-CL" sz="1600" cap="all" spc="200" dirty="0" err="1" smtClean="0">
-                <a:solidFill>
-                  <a:srgbClr val="009999"/>
-                </a:solidFill>
-              </a:rPr>
-              <a:t>is</a:t>
-            </a:r>
-            <a:r>
-              <a:rPr lang="es-CL" sz="1600" cap="all" spc="200" dirty="0" smtClean="0">
-                <a:solidFill>
-                  <a:srgbClr val="009999"/>
-                </a:solidFill>
-              </a:rPr>
-              <a:t> </a:t>
-            </a:r>
-            <a:r>
-              <a:rPr lang="es-CL" sz="1600" cap="all" spc="200" dirty="0" err="1" smtClean="0">
-                <a:solidFill>
-                  <a:srgbClr val="009999"/>
-                </a:solidFill>
-              </a:rPr>
-              <a:t>enough</a:t>
-            </a:r>
-            <a:r>
-              <a:rPr lang="es-CL" sz="1600" cap="all" spc="200" dirty="0" smtClean="0">
-                <a:solidFill>
-                  <a:srgbClr val="009999"/>
-                </a:solidFill>
-              </a:rPr>
-              <a:t> </a:t>
-            </a:r>
-            <a:r>
-              <a:rPr lang="es-CL" sz="1600" cap="all" spc="200" dirty="0" err="1" smtClean="0">
-                <a:solidFill>
-                  <a:srgbClr val="009999"/>
-                </a:solidFill>
-              </a:rPr>
-              <a:t>if</a:t>
-            </a:r>
-            <a:r>
-              <a:rPr lang="es-CL" sz="1600" cap="all" spc="200" dirty="0" smtClean="0">
-                <a:solidFill>
-                  <a:srgbClr val="009999"/>
-                </a:solidFill>
-              </a:rPr>
-              <a:t> </a:t>
-            </a:r>
-            <a:r>
-              <a:rPr lang="es-CL" sz="1600" cap="all" spc="200" dirty="0" err="1" smtClean="0">
-                <a:solidFill>
-                  <a:srgbClr val="009999"/>
-                </a:solidFill>
-              </a:rPr>
-              <a:t>one</a:t>
-            </a:r>
-            <a:r>
-              <a:rPr lang="es-CL" sz="1600" cap="all" spc="200" dirty="0" smtClean="0">
-                <a:solidFill>
-                  <a:srgbClr val="009999"/>
-                </a:solidFill>
-              </a:rPr>
-              <a:t> tries </a:t>
-            </a:r>
-            <a:r>
-              <a:rPr lang="es-CL" sz="1600" cap="all" spc="200" dirty="0" err="1" smtClean="0">
-                <a:solidFill>
-                  <a:srgbClr val="009999"/>
-                </a:solidFill>
-              </a:rPr>
-              <a:t>merely</a:t>
-            </a:r>
-            <a:r>
-              <a:rPr lang="es-CL" sz="1600" cap="all" spc="200" dirty="0" smtClean="0">
-                <a:solidFill>
-                  <a:srgbClr val="009999"/>
-                </a:solidFill>
-              </a:rPr>
-              <a:t> </a:t>
-            </a:r>
-            <a:r>
-              <a:rPr lang="es-CL" sz="1600" cap="all" spc="200" dirty="0" err="1" smtClean="0">
-                <a:solidFill>
-                  <a:srgbClr val="009999"/>
-                </a:solidFill>
-              </a:rPr>
-              <a:t>to</a:t>
-            </a:r>
-            <a:r>
-              <a:rPr lang="es-CL" sz="1600" cap="all" spc="200" dirty="0" smtClean="0">
-                <a:solidFill>
-                  <a:srgbClr val="009999"/>
-                </a:solidFill>
-              </a:rPr>
-              <a:t> </a:t>
-            </a:r>
-            <a:r>
-              <a:rPr lang="es-CL" sz="1600" cap="all" spc="200" dirty="0" err="1" smtClean="0">
-                <a:solidFill>
-                  <a:srgbClr val="009999"/>
-                </a:solidFill>
-              </a:rPr>
-              <a:t>comprehend</a:t>
-            </a:r>
-            <a:r>
-              <a:rPr lang="es-CL" sz="1600" cap="all" spc="200" dirty="0" smtClean="0">
-                <a:solidFill>
-                  <a:srgbClr val="009999"/>
-                </a:solidFill>
-              </a:rPr>
-              <a:t> a Little of </a:t>
-            </a:r>
-            <a:r>
-              <a:rPr lang="es-CL" sz="1600" cap="all" spc="200" dirty="0" err="1" smtClean="0">
-                <a:solidFill>
-                  <a:srgbClr val="009999"/>
-                </a:solidFill>
-              </a:rPr>
-              <a:t>this</a:t>
-            </a:r>
-            <a:r>
-              <a:rPr lang="es-CL" sz="1600" cap="all" spc="200" dirty="0" smtClean="0">
-                <a:solidFill>
-                  <a:srgbClr val="009999"/>
-                </a:solidFill>
-              </a:rPr>
-              <a:t> </a:t>
-            </a:r>
-            <a:r>
-              <a:rPr lang="es-CL" sz="1600" cap="all" spc="200" dirty="0" err="1" smtClean="0">
-                <a:solidFill>
-                  <a:srgbClr val="009999"/>
-                </a:solidFill>
-              </a:rPr>
-              <a:t>mystery</a:t>
-            </a:r>
-            <a:r>
-              <a:rPr lang="es-CL" sz="1600" cap="all" spc="200" dirty="0" smtClean="0">
-                <a:solidFill>
-                  <a:srgbClr val="009999"/>
-                </a:solidFill>
-              </a:rPr>
-              <a:t> </a:t>
-            </a:r>
-            <a:r>
-              <a:rPr lang="es-CL" sz="1600" cap="all" spc="200" dirty="0" err="1" smtClean="0">
-                <a:solidFill>
-                  <a:srgbClr val="009999"/>
-                </a:solidFill>
-              </a:rPr>
-              <a:t>each</a:t>
-            </a:r>
-            <a:r>
-              <a:rPr lang="es-CL" sz="1600" cap="all" spc="200" dirty="0" smtClean="0">
-                <a:solidFill>
-                  <a:srgbClr val="009999"/>
-                </a:solidFill>
-              </a:rPr>
-              <a:t> </a:t>
-            </a:r>
-            <a:r>
-              <a:rPr lang="es-CL" sz="1600" cap="all" spc="200" dirty="0" err="1" smtClean="0">
-                <a:solidFill>
-                  <a:srgbClr val="009999"/>
-                </a:solidFill>
-              </a:rPr>
-              <a:t>day</a:t>
-            </a:r>
-            <a:r>
-              <a:rPr lang="es-CL" sz="1600" cap="all" spc="200" dirty="0" smtClean="0">
-                <a:solidFill>
-                  <a:srgbClr val="009999"/>
-                </a:solidFill>
-              </a:rPr>
-              <a:t>.</a:t>
-            </a:r>
-          </a:p>
-          <a:p>
-            <a:pPr algn="ctr"/>
-            <a:r>
-              <a:rPr lang="es-CL" sz="1600" cap="all" spc="200" dirty="0" smtClean="0">
-                <a:solidFill>
-                  <a:srgbClr val="009999"/>
-                </a:solidFill>
-              </a:rPr>
-              <a:t>Albert Einstein</a:t>
-            </a:r>
+              <a:t>thorpe</a:t>
+            </a:r>
+            <a:endParaRPr lang="es-CL" sz="1600" cap="all" spc="200" dirty="0" smtClean="0">
+              <a:solidFill>
+                <a:srgbClr val="009999"/>
+              </a:solidFill>
+            </a:endParaRPr>
           </a:p>
           <a:p>
             <a:pPr algn="ctr"/>
@@ -9733,7 +9801,7 @@
         </p:nvSpPr>
         <p:spPr>
           <a:xfrm>
-            <a:off x="1187387" y="116632"/>
+            <a:off x="1053851" y="548679"/>
             <a:ext cx="10360501" cy="805904"/>
           </a:xfrm>
         </p:spPr>
@@ -9761,7 +9829,7 @@
         </p:nvSpPr>
         <p:spPr>
           <a:xfrm>
-            <a:off x="1187386" y="836712"/>
+            <a:off x="1053851" y="1652399"/>
             <a:ext cx="10360501" cy="3600400"/>
           </a:xfrm>
         </p:spPr>
@@ -9823,15 +9891,7 @@
                   <a:srgbClr val="009999"/>
                 </a:solidFill>
               </a:rPr>
-              <a:t>Posteriormente deben enviar ese nombre de usuario al creador del repositorio para que los pueda agregar, así que coloquen un nombre característico que no se les olvide</a:t>
-            </a:r>
-            <a:r>
-              <a:rPr lang="es-CL" sz="2000" cap="all" spc="200" dirty="0" smtClean="0">
-                <a:solidFill>
-                  <a:srgbClr val="009999"/>
-                </a:solidFill>
-              </a:rPr>
-              <a:t>.</a:t>
+              <a:t>Posteriormente deben enviar ese nombre de usuario al creador del repositorio para que los pueda agregar, así que coloquen un nombre característico que no se les olvide.</a:t>
             </a:r>
           </a:p>
           <a:p>
@@ -9956,7 +10016,7 @@
         </p:blipFill>
         <p:spPr bwMode="auto">
           <a:xfrm>
-            <a:off x="3862164" y="4509120"/>
+            <a:off x="7174532" y="4149080"/>
             <a:ext cx="3928492" cy="2207439"/>
           </a:xfrm>
           <a:prstGeom prst="rect">
@@ -9996,6 +10056,13 @@
       </p:transition>
     </mc:Fallback>
   </mc:AlternateContent>
+  <p:timing>
+    <p:tnLst>
+      <p:par>
+        <p:cTn id="1" dur="indefinite" restart="never" nodeType="tmRoot"/>
+      </p:par>
+    </p:tnLst>
+  </p:timing>
 </p:sld>
 </file>
 
@@ -10028,7 +10095,7 @@
         </p:nvSpPr>
         <p:spPr>
           <a:xfrm>
-            <a:off x="837828" y="188640"/>
+            <a:off x="828223" y="546459"/>
             <a:ext cx="10360501" cy="891307"/>
           </a:xfrm>
         </p:spPr>
@@ -10059,7 +10126,7 @@
         </p:nvSpPr>
         <p:spPr>
           <a:xfrm>
-            <a:off x="1053852" y="1412776"/>
+            <a:off x="1053852" y="1556792"/>
             <a:ext cx="10360501" cy="4462272"/>
           </a:xfrm>
         </p:spPr>
@@ -10233,7 +10300,7 @@
         </p:nvSpPr>
         <p:spPr>
           <a:xfrm>
-            <a:off x="949661" y="1268760"/>
+            <a:off x="949661" y="1412776"/>
             <a:ext cx="3363361" cy="4462272"/>
           </a:xfrm>
         </p:spPr>
@@ -10291,7 +10358,7 @@
         </p:blipFill>
         <p:spPr>
           <a:xfrm>
-            <a:off x="4294212" y="1268760"/>
+            <a:off x="4313022" y="1700808"/>
             <a:ext cx="7752116" cy="4392488"/>
           </a:xfrm>
           <a:prstGeom prst="rect">
@@ -10573,6 +10640,13 @@
       </p:transition>
     </mc:Fallback>
   </mc:AlternateContent>
+  <p:timing>
+    <p:tnLst>
+      <p:par>
+        <p:cTn id="1" dur="indefinite" restart="never" nodeType="tmRoot"/>
+      </p:par>
+    </p:tnLst>
+  </p:timing>
 </p:sld>
 </file>
 
@@ -10605,7 +10679,7 @@
         </p:nvSpPr>
         <p:spPr>
           <a:xfrm>
-            <a:off x="1125860" y="404664"/>
+            <a:off x="765820" y="404664"/>
             <a:ext cx="10360501" cy="733896"/>
           </a:xfrm>
         </p:spPr>
@@ -10634,7 +10708,7 @@
         </p:nvSpPr>
         <p:spPr>
           <a:xfrm>
-            <a:off x="6814492" y="1412776"/>
+            <a:off x="6814492" y="1772816"/>
             <a:ext cx="4686167" cy="4462272"/>
           </a:xfrm>
         </p:spPr>
@@ -10756,8 +10830,38 @@
         </p:blipFill>
         <p:spPr>
           <a:xfrm>
-            <a:off x="909836" y="1412776"/>
+            <a:off x="909836" y="1556792"/>
             <a:ext cx="5748582" cy="3925715"/>
+          </a:xfrm>
+          <a:prstGeom prst="rect">
+            <a:avLst/>
+          </a:prstGeom>
+        </p:spPr>
+      </p:pic>
+      <p:pic>
+        <p:nvPicPr>
+          <p:cNvPr id="4" name="Imagen 3"/>
+          <p:cNvPicPr>
+            <a:picLocks noChangeAspect="1"/>
+          </p:cNvPicPr>
+          <p:nvPr/>
+        </p:nvPicPr>
+        <p:blipFill>
+          <a:blip r:embed="rId4" cstate="print">
+            <a:extLst>
+              <a:ext uri="{28A0092B-C50C-407E-A947-70E740481C1C}">
+                <a14:useLocalDpi xmlns:a14="http://schemas.microsoft.com/office/drawing/2010/main" val="0"/>
+              </a:ext>
+            </a:extLst>
+          </a:blip>
+          <a:stretch>
+            <a:fillRect/>
+          </a:stretch>
+        </p:blipFill>
+        <p:spPr>
+          <a:xfrm>
+            <a:off x="8038628" y="4490985"/>
+            <a:ext cx="1983043" cy="1983043"/>
           </a:xfrm>
           <a:prstGeom prst="rect">
             <a:avLst/>
@@ -11127,7 +11231,7 @@
         </p:blipFill>
         <p:spPr>
           <a:xfrm>
-            <a:off x="6742484" y="764704"/>
+            <a:off x="6814492" y="1879944"/>
             <a:ext cx="5078412" cy="3848410"/>
           </a:xfrm>
         </p:spPr>
@@ -11140,7 +11244,7 @@
         </p:nvSpPr>
         <p:spPr>
           <a:xfrm>
-            <a:off x="10750657" y="4613114"/>
+            <a:off x="10734658" y="5805264"/>
             <a:ext cx="1486304" cy="261610"/>
           </a:xfrm>
           <a:prstGeom prst="rect">
@@ -11381,8 +11485,8 @@
         </p:blipFill>
         <p:spPr>
           <a:xfrm>
-            <a:off x="8902724" y="620688"/>
-            <a:ext cx="2831562" cy="4719270"/>
+            <a:off x="8758708" y="1844824"/>
+            <a:ext cx="2572333" cy="4287222"/>
           </a:xfrm>
           <a:prstGeom prst="rect">
             <a:avLst/>
@@ -11411,6 +11515,13 @@
       </p:transition>
     </mc:Fallback>
   </mc:AlternateContent>
+  <p:timing>
+    <p:tnLst>
+      <p:par>
+        <p:cTn id="1" dur="indefinite" restart="never" nodeType="tmRoot"/>
+      </p:par>
+    </p:tnLst>
+  </p:timing>
 </p:sld>
 </file>
 
@@ -12365,15 +12476,6 @@
 </file>
 
 <file path=customXml/item1.xml><?xml version="1.0" encoding="utf-8"?>
-<?mso-contentType ?>
-<FormTemplates xmlns="http://schemas.microsoft.com/sharepoint/v3/contenttype/forms">
-  <Display>DocumentLibraryForm</Display>
-  <Edit>AssetEditForm</Edit>
-  <New>DocumentLibraryForm</New>
-</FormTemplates>
-</file>
-
-<file path=customXml/item2.xml><?xml version="1.0" encoding="utf-8"?>
 <ct:contentTypeSchema xmlns:ct="http://schemas.microsoft.com/office/2006/metadata/contentType" xmlns:ma="http://schemas.microsoft.com/office/2006/metadata/properties/metaAttributes" ct:_="" ma:_="" ma:contentTypeName="TemplateFile" ma:contentTypeID="0x0101006EDDDB5EE6D98C44930B742096920B300400F5B6D36B3EF94B4E9A635CDF2A18F5B8" ma:contentTypeVersion="72" ma:contentTypeDescription="Create a new document." ma:contentTypeScope="" ma:versionID="a23e56308344d904b51738559c3d67c9">
   <xsd:schema xmlns:xsd="http://www.w3.org/2001/XMLSchema" xmlns:xs="http://www.w3.org/2001/XMLSchema" xmlns:p="http://schemas.microsoft.com/office/2006/metadata/properties" xmlns:ns2="4873beb7-5857-4685-be1f-d57550cc96cc" targetNamespace="http://schemas.microsoft.com/office/2006/metadata/properties" ma:root="true" ma:fieldsID="cd0908cc4600e77bf5da051303e00c8d" ns2:_="">
     <xsd:import namespace="4873beb7-5857-4685-be1f-d57550cc96cc"/>
@@ -13413,6 +13515,15 @@
 </ct:contentTypeSchema>
 </file>
 
+<file path=customXml/item2.xml><?xml version="1.0" encoding="utf-8"?>
+<?mso-contentType ?>
+<FormTemplates xmlns="http://schemas.microsoft.com/sharepoint/v3/contenttype/forms">
+  <Display>DocumentLibraryForm</Display>
+  <Edit>AssetEditForm</Edit>
+  <New>DocumentLibraryForm</New>
+</FormTemplates>
+</file>
+
 <file path=customXml/item3.xml><?xml version="1.0" encoding="utf-8"?>
 <p:properties xmlns:p="http://schemas.microsoft.com/office/2006/metadata/properties" xmlns:xsi="http://www.w3.org/2001/XMLSchema-instance" xmlns:pc="http://schemas.microsoft.com/office/infopath/2007/PartnerControls">
   <documentManagement>
@@ -13550,14 +13661,6 @@
 </file>
 
 <file path=customXml/itemProps1.xml><?xml version="1.0" encoding="utf-8"?>
-<ds:datastoreItem xmlns:ds="http://schemas.openxmlformats.org/officeDocument/2006/customXml" ds:itemID="{3836F65B-1B07-41EE-A0E8-BC6EF3855225}">
-  <ds:schemaRefs>
-    <ds:schemaRef ds:uri="http://schemas.microsoft.com/sharepoint/v3/contenttype/forms"/>
-  </ds:schemaRefs>
-</ds:datastoreItem>
-</file>
-
-<file path=customXml/itemProps2.xml><?xml version="1.0" encoding="utf-8"?>
 <ds:datastoreItem xmlns:ds="http://schemas.openxmlformats.org/officeDocument/2006/customXml" ds:itemID="{A09BF4D4-EF60-4196-BFC3-9462D607978C}">
   <ds:schemaRefs>
     <ds:schemaRef ds:uri="http://schemas.microsoft.com/office/2006/metadata/contentType"/>
@@ -13571,6 +13674,14 @@
     <ds:schemaRef ds:uri="http://purl.org/dc/elements/1.1/"/>
     <ds:schemaRef ds:uri="http://purl.org/dc/terms/"/>
     <ds:schemaRef ds:uri="http://schemas.microsoft.com/internal/obd"/>
+  </ds:schemaRefs>
+</ds:datastoreItem>
+</file>
+
+<file path=customXml/itemProps2.xml><?xml version="1.0" encoding="utf-8"?>
+<ds:datastoreItem xmlns:ds="http://schemas.openxmlformats.org/officeDocument/2006/customXml" ds:itemID="{3836F65B-1B07-41EE-A0E8-BC6EF3855225}">
+  <ds:schemaRefs>
+    <ds:schemaRef ds:uri="http://schemas.microsoft.com/sharepoint/v3/contenttype/forms"/>
   </ds:schemaRefs>
 </ds:datastoreItem>
 </file>
